--- a/doc/workshop/staticDataAnalysis/static_data_analysis.pptx
+++ b/doc/workshop/staticDataAnalysis/static_data_analysis.pptx
@@ -44720,17 +44720,9 @@
             </a:r>
           </a:p>
           <a:p>
-            <a:pPr marL="1373187" lvl="2" indent="-457200">
-              <a:buFont typeface="+mj-lt"/>
-              <a:buAutoNum type="arabicPeriod"/>
+            <a:pPr marL="457200" lvl="1" indent="0">
+              <a:buNone/>
             </a:pPr>
-            <a:r>
-              <a:rPr lang="en-US" dirty="0"/>
-              <a:t>Bandwidth values: []</a:t>
-            </a:r>
-          </a:p>
-          <a:p>
-            <a:pPr lvl="1"/>
             <a:endParaRPr lang="en-US" dirty="0"/>
           </a:p>
         </p:txBody>

--- a/doc/workshop/staticDataAnalysis/static_data_analysis.pptx
+++ b/doc/workshop/staticDataAnalysis/static_data_analysis.pptx
@@ -5,10 +5,10 @@
     <p:sldMasterId id="2147483648" r:id="rId1"/>
   </p:sldMasterIdLst>
   <p:notesMasterIdLst>
-    <p:notesMasterId r:id="rId28"/>
+    <p:notesMasterId r:id="rId29"/>
   </p:notesMasterIdLst>
   <p:handoutMasterIdLst>
-    <p:handoutMasterId r:id="rId29"/>
+    <p:handoutMasterId r:id="rId30"/>
   </p:handoutMasterIdLst>
   <p:sldIdLst>
     <p:sldId id="272" r:id="rId2"/>
@@ -37,6 +37,7 @@
     <p:sldId id="366" r:id="rId25"/>
     <p:sldId id="344" r:id="rId26"/>
     <p:sldId id="369" r:id="rId27"/>
+    <p:sldId id="370" r:id="rId28"/>
   </p:sldIdLst>
   <p:sldSz cx="9144000" cy="6858000" type="screen4x3"/>
   <p:notesSz cx="7010400" cy="9296400"/>
@@ -41025,8 +41026,23 @@
                 </a:solidFill>
                 <a:latin typeface="Lucida Console" panose="020B0609040504020204" pitchFamily="49" charset="0"/>
               </a:rPr>
-              <a:t>git checkout workshop_2018</a:t>
-            </a:r>
+              <a:t>git checkout </a:t>
+            </a:r>
+            <a:r>
+              <a:rPr lang="en-US" sz="1800" dirty="0" err="1">
+                <a:solidFill>
+                  <a:schemeClr val="bg1"/>
+                </a:solidFill>
+                <a:latin typeface="Lucida Console" panose="020B0609040504020204" pitchFamily="49" charset="0"/>
+              </a:rPr>
+              <a:t>devel</a:t>
+            </a:r>
+            <a:endParaRPr lang="en-US" sz="1800" dirty="0">
+              <a:solidFill>
+                <a:schemeClr val="bg1"/>
+              </a:solidFill>
+              <a:latin typeface="Lucida Console" panose="020B0609040504020204" pitchFamily="49" charset="0"/>
+            </a:endParaRPr>
           </a:p>
           <a:p>
             <a:pPr marL="0" indent="0">
@@ -44661,13 +44677,6 @@
             </a:r>
           </a:p>
           <a:p>
-            <a:pPr lvl="2"/>
-            <a:r>
-              <a:rPr lang="en-US" dirty="0"/>
-              <a:t>Note that is incomplete</a:t>
-            </a:r>
-          </a:p>
-          <a:p>
             <a:pPr lvl="1"/>
             <a:r>
               <a:rPr lang="en-US" dirty="0"/>
@@ -44688,7 +44697,7 @@
           <a:p>
             <a:r>
               <a:rPr lang="en-US" dirty="0"/>
-              <a:t>Perform the following:</a:t>
+              <a:t>Performs the following:</a:t>
             </a:r>
           </a:p>
           <a:p>
@@ -44720,9 +44729,50 @@
             </a:r>
           </a:p>
           <a:p>
-            <a:pPr marL="457200" lvl="1" indent="0">
-              <a:buNone/>
+            <a:pPr marL="914400" lvl="1" indent="-457200">
+              <a:buFont typeface="+mj-lt"/>
+              <a:buAutoNum type="arabicPeriod"/>
             </a:pPr>
+            <a:endParaRPr lang="en-US" dirty="0"/>
+          </a:p>
+          <a:p>
+            <a:pPr marL="460375" indent="-457200"/>
+            <a:r>
+              <a:rPr lang="en-US" dirty="0"/>
+              <a:t>Raw data: /</a:t>
+            </a:r>
+            <a:r>
+              <a:rPr lang="en-US" dirty="0" err="1"/>
+              <a:t>MeanShift</a:t>
+            </a:r>
+            <a:r>
+              <a:rPr lang="en-US" dirty="0"/>
+              <a:t>/</a:t>
+            </a:r>
+            <a:r>
+              <a:rPr lang="en-US" dirty="0" err="1"/>
+              <a:t>PlotAll_scatter.png</a:t>
+            </a:r>
+            <a:endParaRPr lang="en-US" dirty="0"/>
+          </a:p>
+          <a:p>
+            <a:pPr marL="460375" indent="-457200"/>
+            <a:r>
+              <a:rPr lang="en-US" dirty="0"/>
+              <a:t>Cluster Colored: /</a:t>
+            </a:r>
+            <a:r>
+              <a:rPr lang="en-US" dirty="0" err="1"/>
+              <a:t>MeanShift</a:t>
+            </a:r>
+            <a:r>
+              <a:rPr lang="en-US" dirty="0"/>
+              <a:t>/</a:t>
+            </a:r>
+            <a:r>
+              <a:rPr lang="en-US" dirty="0" err="1"/>
+              <a:t>PlotClustered_scatter.png</a:t>
+            </a:r>
             <a:endParaRPr lang="en-US" dirty="0"/>
           </a:p>
         </p:txBody>
@@ -44731,6 +44781,255 @@
     <p:extLst>
       <p:ext uri="{BB962C8B-B14F-4D97-AF65-F5344CB8AC3E}">
         <p14:creationId xmlns:p14="http://schemas.microsoft.com/office/powerpoint/2010/main" val="1579702865"/>
+      </p:ext>
+    </p:extLst>
+  </p:cSld>
+  <p:clrMapOvr>
+    <a:masterClrMapping/>
+  </p:clrMapOvr>
+</p:sld>
+</file>
+
+<file path=ppt/slides/slide27.xml><?xml version="1.0" encoding="utf-8"?>
+<p:sld xmlns:a="http://schemas.openxmlformats.org/drawingml/2006/main" xmlns:r="http://schemas.openxmlformats.org/officeDocument/2006/relationships" xmlns:p="http://schemas.openxmlformats.org/presentationml/2006/main">
+  <p:cSld>
+    <p:spTree>
+      <p:nvGrpSpPr>
+        <p:cNvPr id="1" name=""/>
+        <p:cNvGrpSpPr/>
+        <p:nvPr/>
+      </p:nvGrpSpPr>
+      <p:grpSpPr>
+        <a:xfrm>
+          <a:off x="0" y="0"/>
+          <a:ext cx="0" cy="0"/>
+          <a:chOff x="0" y="0"/>
+          <a:chExt cx="0" cy="0"/>
+        </a:xfrm>
+      </p:grpSpPr>
+      <p:sp>
+        <p:nvSpPr>
+          <p:cNvPr id="2" name="Title 1">
+            <a:extLst>
+              <a:ext uri="{FF2B5EF4-FFF2-40B4-BE49-F238E27FC236}">
+                <a16:creationId xmlns:a16="http://schemas.microsoft.com/office/drawing/2014/main" id="{122B84F0-CB88-3348-86CA-8CC1C1E747B3}"/>
+              </a:ext>
+            </a:extLst>
+          </p:cNvPr>
+          <p:cNvSpPr>
+            <a:spLocks noGrp="1"/>
+          </p:cNvSpPr>
+          <p:nvPr>
+            <p:ph type="title"/>
+          </p:nvPr>
+        </p:nvSpPr>
+        <p:spPr>
+          <a:xfrm>
+            <a:off x="455613" y="553243"/>
+            <a:ext cx="8231187" cy="363537"/>
+          </a:xfrm>
+        </p:spPr>
+        <p:txBody>
+          <a:bodyPr/>
+          <a:lstStyle/>
+          <a:p>
+            <a:r>
+              <a:rPr lang="en-US" dirty="0"/>
+              <a:t>Hands-On Exercise: Projectile</a:t>
+            </a:r>
+          </a:p>
+        </p:txBody>
+      </p:sp>
+      <p:sp>
+        <p:nvSpPr>
+          <p:cNvPr id="3" name="Content Placeholder 2">
+            <a:extLst>
+              <a:ext uri="{FF2B5EF4-FFF2-40B4-BE49-F238E27FC236}">
+                <a16:creationId xmlns:a16="http://schemas.microsoft.com/office/drawing/2014/main" id="{21AD0257-6770-D941-8EE3-B0DC4C833BDD}"/>
+              </a:ext>
+            </a:extLst>
+          </p:cNvPr>
+          <p:cNvSpPr>
+            <a:spLocks noGrp="1"/>
+          </p:cNvSpPr>
+          <p:nvPr>
+            <p:ph idx="1"/>
+          </p:nvPr>
+        </p:nvSpPr>
+        <p:spPr>
+          <a:xfrm>
+            <a:off x="455613" y="1166812"/>
+            <a:ext cx="8231187" cy="4524375"/>
+          </a:xfrm>
+        </p:spPr>
+        <p:txBody>
+          <a:bodyPr/>
+          <a:lstStyle/>
+          <a:p>
+            <a:r>
+              <a:rPr lang="en-US" dirty="0"/>
+              <a:t>Copy a new file:</a:t>
+            </a:r>
+          </a:p>
+          <a:p>
+            <a:pPr lvl="1"/>
+            <a:r>
+              <a:rPr lang="en-US" dirty="0"/>
+              <a:t>From </a:t>
+            </a:r>
+            <a:r>
+              <a:rPr lang="en-US" sz="1600" dirty="0"/>
+              <a:t>raven/doc/workshop/</a:t>
+            </a:r>
+            <a:r>
+              <a:rPr lang="en-US" sz="1600" dirty="0" err="1"/>
+              <a:t>forwardSampling</a:t>
+            </a:r>
+            <a:r>
+              <a:rPr lang="en-US" sz="1600" dirty="0"/>
+              <a:t>/exercises/1_sample_and_plot.xml</a:t>
+            </a:r>
+            <a:endParaRPr lang="en-US" dirty="0"/>
+          </a:p>
+          <a:p>
+            <a:pPr lvl="1"/>
+            <a:r>
+              <a:rPr lang="en-US" dirty="0"/>
+              <a:t>To raven/doc/workshop/</a:t>
+            </a:r>
+            <a:r>
+              <a:rPr lang="en-US" dirty="0" err="1"/>
+              <a:t>staticDataMining</a:t>
+            </a:r>
+            <a:r>
+              <a:rPr lang="en-US" dirty="0"/>
+              <a:t>/inputs/</a:t>
+            </a:r>
+            <a:r>
+              <a:rPr lang="en-US" dirty="0" err="1"/>
+              <a:t>prj_cluster.xml</a:t>
+            </a:r>
+            <a:endParaRPr lang="en-US" dirty="0"/>
+          </a:p>
+          <a:p>
+            <a:r>
+              <a:rPr lang="en-US" dirty="0"/>
+              <a:t>Add a </a:t>
+            </a:r>
+            <a:r>
+              <a:rPr lang="en-US" dirty="0" err="1"/>
+              <a:t>PostProcess</a:t>
+            </a:r>
+            <a:r>
+              <a:rPr lang="en-US" dirty="0"/>
+              <a:t> step to the Steps to cluster Projectile output</a:t>
+            </a:r>
+          </a:p>
+          <a:p>
+            <a:pPr lvl="1"/>
+            <a:r>
+              <a:rPr lang="en-US" dirty="0"/>
+              <a:t>Input is ”results” data object</a:t>
+            </a:r>
+          </a:p>
+          <a:p>
+            <a:pPr lvl="1"/>
+            <a:r>
+              <a:rPr lang="en-US" dirty="0"/>
+              <a:t>Model and Output are a new model and new data object</a:t>
+            </a:r>
+          </a:p>
+          <a:p>
+            <a:pPr lvl="1"/>
+            <a:r>
+              <a:rPr lang="en-US" dirty="0"/>
+              <a:t>Also add an Outstream Plot to the Outputs</a:t>
+            </a:r>
+          </a:p>
+          <a:p>
+            <a:r>
+              <a:rPr lang="en-US" dirty="0"/>
+              <a:t>Add a </a:t>
+            </a:r>
+            <a:r>
+              <a:rPr lang="en-US" dirty="0" err="1"/>
+              <a:t>PostProcesser</a:t>
+            </a:r>
+            <a:r>
+              <a:rPr lang="en-US" dirty="0"/>
+              <a:t> model to the Models to do the clustering</a:t>
+            </a:r>
+          </a:p>
+          <a:p>
+            <a:pPr lvl="1"/>
+            <a:r>
+              <a:rPr lang="en-US" dirty="0" err="1"/>
+              <a:t>KMeans</a:t>
+            </a:r>
+            <a:r>
+              <a:rPr lang="en-US" dirty="0"/>
+              <a:t> with 3 clusters, or choose your own!</a:t>
+            </a:r>
+          </a:p>
+          <a:p>
+            <a:pPr lvl="1"/>
+            <a:r>
+              <a:rPr lang="en-US" dirty="0"/>
+              <a:t>Cluster on “r”, or “t”, or both!</a:t>
+            </a:r>
+          </a:p>
+          <a:p>
+            <a:r>
+              <a:rPr lang="en-US" dirty="0"/>
+              <a:t>Add the output </a:t>
+            </a:r>
+            <a:r>
+              <a:rPr lang="en-US" dirty="0" err="1"/>
+              <a:t>DataObject</a:t>
+            </a:r>
+            <a:r>
+              <a:rPr lang="en-US" dirty="0"/>
+              <a:t>, just like “results” but with the labels</a:t>
+            </a:r>
+          </a:p>
+          <a:p>
+            <a:r>
+              <a:rPr lang="en-US" dirty="0"/>
+              <a:t>Add a plot to show the results of the clustering</a:t>
+            </a:r>
+          </a:p>
+          <a:p>
+            <a:pPr lvl="1"/>
+            <a:r>
+              <a:rPr lang="en-US" dirty="0"/>
+              <a:t>Plot angle and v0 on x, y axis</a:t>
+            </a:r>
+          </a:p>
+          <a:p>
+            <a:pPr lvl="1"/>
+            <a:r>
+              <a:rPr lang="en-US" dirty="0"/>
+              <a:t>Plot cluster labels as colors</a:t>
+            </a:r>
+          </a:p>
+          <a:p>
+            <a:pPr marL="0" indent="0">
+              <a:buNone/>
+            </a:pPr>
+            <a:endParaRPr lang="en-US" dirty="0"/>
+          </a:p>
+          <a:p>
+            <a:r>
+              <a:rPr lang="en-US" dirty="0"/>
+              <a:t>Can we derive information from the clustering?</a:t>
+            </a:r>
+          </a:p>
+        </p:txBody>
+      </p:sp>
+    </p:spTree>
+    <p:extLst>
+      <p:ext uri="{BB962C8B-B14F-4D97-AF65-F5344CB8AC3E}">
+        <p14:creationId xmlns:p14="http://schemas.microsoft.com/office/powerpoint/2010/main" val="532640252"/>
       </p:ext>
     </p:extLst>
   </p:cSld>
@@ -45826,7 +46125,7 @@
               <a:rPr lang="en-US" spc="-10" dirty="0">
                 <a:cs typeface="Arial"/>
               </a:rPr>
-              <a:t>It incorporate information about the covariance structure of the data as well as the centers of the latent Gaussians</a:t>
+              <a:t>It incorporates information about the covariance structure of the data as well as the centers of the latent Gaussians</a:t>
             </a:r>
             <a:endParaRPr lang="en-US" spc="-59" dirty="0">
               <a:cs typeface="Arial"/>
